--- a/images/MVP Flows.pptx
+++ b/images/MVP Flows.pptx
@@ -222,7 +222,7 @@
           <a:p>
             <a:fld id="{DE6684B6-D6DC-0B45-8D07-100D9E9CD715}" type="datetimeFigureOut">
               <a:rPr lang="en-US" smtClean="0"/>
-              <a:t>8/14/20</a:t>
+              <a:t>8/17/20</a:t>
             </a:fld>
             <a:endParaRPr lang="en-US"/>
           </a:p>
@@ -1296,7 +1296,7 @@
             <a:fld id="{B61BEF0D-F0BB-DE4B-95CE-6DB70DBA9567}" type="datetimeFigureOut">
               <a:rPr lang="en-US" dirty="0"/>
               <a:pPr/>
-              <a:t>8/14/20</a:t>
+              <a:t>8/17/20</a:t>
             </a:fld>
             <a:endParaRPr lang="en-US" dirty="0"/>
           </a:p>
@@ -1544,7 +1544,7 @@
             <a:fld id="{B61BEF0D-F0BB-DE4B-95CE-6DB70DBA9567}" type="datetimeFigureOut">
               <a:rPr lang="en-US" dirty="0"/>
               <a:pPr/>
-              <a:t>8/14/20</a:t>
+              <a:t>8/17/20</a:t>
             </a:fld>
             <a:endParaRPr lang="en-US" dirty="0"/>
           </a:p>
@@ -1855,7 +1855,7 @@
             <a:fld id="{B61BEF0D-F0BB-DE4B-95CE-6DB70DBA9567}" type="datetimeFigureOut">
               <a:rPr lang="en-US" dirty="0"/>
               <a:pPr/>
-              <a:t>8/14/20</a:t>
+              <a:t>8/17/20</a:t>
             </a:fld>
             <a:endParaRPr lang="en-US" dirty="0"/>
           </a:p>
@@ -2193,7 +2193,7 @@
             <a:fld id="{B61BEF0D-F0BB-DE4B-95CE-6DB70DBA9567}" type="datetimeFigureOut">
               <a:rPr lang="en-US" dirty="0"/>
               <a:pPr/>
-              <a:t>8/14/20</a:t>
+              <a:t>8/17/20</a:t>
             </a:fld>
             <a:endParaRPr lang="en-US" dirty="0"/>
           </a:p>
@@ -2504,7 +2504,7 @@
             <a:fld id="{B61BEF0D-F0BB-DE4B-95CE-6DB70DBA9567}" type="datetimeFigureOut">
               <a:rPr lang="en-US" dirty="0"/>
               <a:pPr/>
-              <a:t>8/14/20</a:t>
+              <a:t>8/17/20</a:t>
             </a:fld>
             <a:endParaRPr lang="en-US" dirty="0"/>
           </a:p>
@@ -2894,7 +2894,7 @@
             <a:fld id="{B61BEF0D-F0BB-DE4B-95CE-6DB70DBA9567}" type="datetimeFigureOut">
               <a:rPr lang="en-US" dirty="0"/>
               <a:pPr/>
-              <a:t>8/14/20</a:t>
+              <a:t>8/17/20</a:t>
             </a:fld>
             <a:endParaRPr lang="en-US" dirty="0"/>
           </a:p>
@@ -3060,7 +3060,7 @@
           <a:p>
             <a:fld id="{55C6B4A9-1611-4792-9094-5F34BCA07E0B}" type="datetimeFigureOut">
               <a:rPr lang="en-US" dirty="0"/>
-              <a:t>8/14/20</a:t>
+              <a:t>8/17/20</a:t>
             </a:fld>
             <a:endParaRPr lang="en-US" dirty="0"/>
           </a:p>
@@ -3236,7 +3236,7 @@
             <a:fld id="{B61BEF0D-F0BB-DE4B-95CE-6DB70DBA9567}" type="datetimeFigureOut">
               <a:rPr lang="en-US" dirty="0"/>
               <a:pPr/>
-              <a:t>8/14/20</a:t>
+              <a:t>8/17/20</a:t>
             </a:fld>
             <a:endParaRPr lang="en-US" dirty="0"/>
           </a:p>
@@ -3409,7 +3409,7 @@
             <a:fld id="{B61BEF0D-F0BB-DE4B-95CE-6DB70DBA9567}" type="datetimeFigureOut">
               <a:rPr lang="en-US" dirty="0"/>
               <a:pPr/>
-              <a:t>8/14/20</a:t>
+              <a:t>8/17/20</a:t>
             </a:fld>
             <a:endParaRPr lang="en-US" dirty="0"/>
           </a:p>
@@ -3653,7 +3653,7 @@
             <a:fld id="{B61BEF0D-F0BB-DE4B-95CE-6DB70DBA9567}" type="datetimeFigureOut">
               <a:rPr lang="en-US" dirty="0"/>
               <a:pPr/>
-              <a:t>8/14/20</a:t>
+              <a:t>8/17/20</a:t>
             </a:fld>
             <a:endParaRPr lang="en-US" dirty="0"/>
           </a:p>
@@ -3881,7 +3881,7 @@
           <a:p>
             <a:fld id="{EB712588-04B1-427B-82EE-E8DB90309F08}" type="datetimeFigureOut">
               <a:rPr lang="en-US" dirty="0"/>
-              <a:t>8/14/20</a:t>
+              <a:t>8/17/20</a:t>
             </a:fld>
             <a:endParaRPr lang="en-US" dirty="0"/>
           </a:p>
@@ -4251,7 +4251,7 @@
             <a:fld id="{B61BEF0D-F0BB-DE4B-95CE-6DB70DBA9567}" type="datetimeFigureOut">
               <a:rPr lang="en-US" dirty="0"/>
               <a:pPr/>
-              <a:t>8/14/20</a:t>
+              <a:t>8/17/20</a:t>
             </a:fld>
             <a:endParaRPr lang="en-US" dirty="0"/>
           </a:p>
@@ -4371,7 +4371,7 @@
             <a:fld id="{B61BEF0D-F0BB-DE4B-95CE-6DB70DBA9567}" type="datetimeFigureOut">
               <a:rPr lang="en-US" dirty="0"/>
               <a:pPr/>
-              <a:t>8/14/20</a:t>
+              <a:t>8/17/20</a:t>
             </a:fld>
             <a:endParaRPr lang="en-US" dirty="0"/>
           </a:p>
@@ -4463,7 +4463,7 @@
             <a:fld id="{B61BEF0D-F0BB-DE4B-95CE-6DB70DBA9567}" type="datetimeFigureOut">
               <a:rPr lang="en-US" dirty="0"/>
               <a:pPr/>
-              <a:t>8/14/20</a:t>
+              <a:t>8/17/20</a:t>
             </a:fld>
             <a:endParaRPr lang="en-US" dirty="0"/>
           </a:p>
@@ -4714,7 +4714,7 @@
           <a:p>
             <a:fld id="{42A54C80-263E-416B-A8E0-580EDEADCBDC}" type="datetimeFigureOut">
               <a:rPr lang="en-US" dirty="0"/>
-              <a:t>8/14/20</a:t>
+              <a:t>8/17/20</a:t>
             </a:fld>
             <a:endParaRPr lang="en-US" dirty="0"/>
           </a:p>
@@ -4973,7 +4973,7 @@
             <a:fld id="{B61BEF0D-F0BB-DE4B-95CE-6DB70DBA9567}" type="datetimeFigureOut">
               <a:rPr lang="en-US" dirty="0"/>
               <a:pPr/>
-              <a:t>8/14/20</a:t>
+              <a:t>8/17/20</a:t>
             </a:fld>
             <a:endParaRPr lang="en-US" dirty="0"/>
           </a:p>
@@ -5713,7 +5713,7 @@
             <a:fld id="{B61BEF0D-F0BB-DE4B-95CE-6DB70DBA9567}" type="datetimeFigureOut">
               <a:rPr lang="en-US" dirty="0"/>
               <a:pPr/>
-              <a:t>8/14/20</a:t>
+              <a:t>8/17/20</a:t>
             </a:fld>
             <a:endParaRPr lang="en-US" dirty="0"/>
           </a:p>
